--- a/MidTerm/Part-1/Presentation/Presentation1.pptx
+++ b/MidTerm/Part-1/Presentation/Presentation1.pptx
@@ -7,14 +7,15 @@
   <p:sldIdLst>
     <p:sldId id="256" r:id="rId2"/>
     <p:sldId id="260" r:id="rId3"/>
-    <p:sldId id="261" r:id="rId4"/>
-    <p:sldId id="257" r:id="rId5"/>
-    <p:sldId id="258" r:id="rId6"/>
-    <p:sldId id="259" r:id="rId7"/>
-    <p:sldId id="262" r:id="rId8"/>
-    <p:sldId id="263" r:id="rId9"/>
-    <p:sldId id="264" r:id="rId10"/>
-    <p:sldId id="265" r:id="rId11"/>
+    <p:sldId id="266" r:id="rId4"/>
+    <p:sldId id="261" r:id="rId5"/>
+    <p:sldId id="257" r:id="rId6"/>
+    <p:sldId id="258" r:id="rId7"/>
+    <p:sldId id="259" r:id="rId8"/>
+    <p:sldId id="262" r:id="rId9"/>
+    <p:sldId id="263" r:id="rId10"/>
+    <p:sldId id="264" r:id="rId11"/>
+    <p:sldId id="265" r:id="rId12"/>
   </p:sldIdLst>
   <p:sldSz cx="12192000" cy="6858000"/>
   <p:notesSz cx="6858000" cy="9144000"/>
@@ -113,6 +114,11 @@
       </a:defRPr>
     </a:lvl9pPr>
   </p:defaultTextStyle>
+  <p:extLst>
+    <p:ext uri="{EFAFB233-063F-42B5-8137-9DF3F51BA10A}">
+      <p15:sldGuideLst xmlns:p15="http://schemas.microsoft.com/office/powerpoint/2012/main"/>
+    </p:ext>
+  </p:extLst>
 </p:presentation>
 </file>
 
@@ -255,7 +261,7 @@
           <a:p>
             <a:fld id="{2C34019C-7662-49B0-BB3E-3682B40A4F9E}" type="datetimeFigureOut">
               <a:rPr lang="en-US" smtClean="0"/>
-              <a:t>7/8/2016</a:t>
+              <a:t>7/9/2016</a:t>
             </a:fld>
             <a:endParaRPr lang="en-US"/>
           </a:p>
@@ -466,7 +472,7 @@
           <a:p>
             <a:fld id="{2C34019C-7662-49B0-BB3E-3682B40A4F9E}" type="datetimeFigureOut">
               <a:rPr lang="en-US" smtClean="0"/>
-              <a:t>7/8/2016</a:t>
+              <a:t>7/9/2016</a:t>
             </a:fld>
             <a:endParaRPr lang="en-US"/>
           </a:p>
@@ -681,7 +687,7 @@
           <a:p>
             <a:fld id="{2C34019C-7662-49B0-BB3E-3682B40A4F9E}" type="datetimeFigureOut">
               <a:rPr lang="en-US" smtClean="0"/>
-              <a:t>7/8/2016</a:t>
+              <a:t>7/9/2016</a:t>
             </a:fld>
             <a:endParaRPr lang="en-US"/>
           </a:p>
@@ -882,7 +888,7 @@
           <a:p>
             <a:fld id="{2C34019C-7662-49B0-BB3E-3682B40A4F9E}" type="datetimeFigureOut">
               <a:rPr lang="en-US" smtClean="0"/>
-              <a:t>7/8/2016</a:t>
+              <a:t>7/9/2016</a:t>
             </a:fld>
             <a:endParaRPr lang="en-US"/>
           </a:p>
@@ -1161,7 +1167,7 @@
           <a:p>
             <a:fld id="{2C34019C-7662-49B0-BB3E-3682B40A4F9E}" type="datetimeFigureOut">
               <a:rPr lang="en-US" smtClean="0"/>
-              <a:t>7/8/2016</a:t>
+              <a:t>7/9/2016</a:t>
             </a:fld>
             <a:endParaRPr lang="en-US"/>
           </a:p>
@@ -1429,7 +1435,7 @@
           <a:p>
             <a:fld id="{2C34019C-7662-49B0-BB3E-3682B40A4F9E}" type="datetimeFigureOut">
               <a:rPr lang="en-US" smtClean="0"/>
-              <a:t>7/8/2016</a:t>
+              <a:t>7/9/2016</a:t>
             </a:fld>
             <a:endParaRPr lang="en-US"/>
           </a:p>
@@ -1845,7 +1851,7 @@
           <a:p>
             <a:fld id="{2C34019C-7662-49B0-BB3E-3682B40A4F9E}" type="datetimeFigureOut">
               <a:rPr lang="en-US" smtClean="0"/>
-              <a:t>7/8/2016</a:t>
+              <a:t>7/9/2016</a:t>
             </a:fld>
             <a:endParaRPr lang="en-US"/>
           </a:p>
@@ -1994,7 +2000,7 @@
           <a:p>
             <a:fld id="{2C34019C-7662-49B0-BB3E-3682B40A4F9E}" type="datetimeFigureOut">
               <a:rPr lang="en-US" smtClean="0"/>
-              <a:t>7/8/2016</a:t>
+              <a:t>7/9/2016</a:t>
             </a:fld>
             <a:endParaRPr lang="en-US"/>
           </a:p>
@@ -2120,7 +2126,7 @@
           <a:p>
             <a:fld id="{2C34019C-7662-49B0-BB3E-3682B40A4F9E}" type="datetimeFigureOut">
               <a:rPr lang="en-US" smtClean="0"/>
-              <a:t>7/8/2016</a:t>
+              <a:t>7/9/2016</a:t>
             </a:fld>
             <a:endParaRPr lang="en-US"/>
           </a:p>
@@ -2371,7 +2377,7 @@
           <a:p>
             <a:fld id="{2C34019C-7662-49B0-BB3E-3682B40A4F9E}" type="datetimeFigureOut">
               <a:rPr lang="en-US" smtClean="0"/>
-              <a:t>7/8/2016</a:t>
+              <a:t>7/9/2016</a:t>
             </a:fld>
             <a:endParaRPr lang="en-US"/>
           </a:p>
@@ -2816,7 +2822,7 @@
           <a:p>
             <a:fld id="{2C34019C-7662-49B0-BB3E-3682B40A4F9E}" type="datetimeFigureOut">
               <a:rPr lang="en-US" smtClean="0"/>
-              <a:t>7/8/2016</a:t>
+              <a:t>7/9/2016</a:t>
             </a:fld>
             <a:endParaRPr lang="en-US"/>
           </a:p>
@@ -3142,7 +3148,7 @@
           <a:p>
             <a:fld id="{2C34019C-7662-49B0-BB3E-3682B40A4F9E}" type="datetimeFigureOut">
               <a:rPr lang="en-US" smtClean="0"/>
-              <a:t>7/8/2016</a:t>
+              <a:t>7/9/2016</a:t>
             </a:fld>
             <a:endParaRPr lang="en-US"/>
           </a:p>
@@ -3643,26 +3649,45 @@
           <a:bodyPr/>
           <a:lstStyle/>
           <a:p>
+            <a:r>
+              <a:rPr lang="en-US" dirty="0"/>
+              <a:t>Midterm Project</a:t>
+            </a:r>
+          </a:p>
+        </p:txBody>
+      </p:sp>
+      <p:sp>
+        <p:nvSpPr>
+          <p:cNvPr id="3" name="Subtitle 2"/>
+          <p:cNvSpPr>
+            <a:spLocks noGrp="1"/>
+          </p:cNvSpPr>
+          <p:nvPr>
+            <p:ph type="subTitle" idx="1"/>
+          </p:nvPr>
+        </p:nvSpPr>
+        <p:spPr/>
+        <p:txBody>
+          <a:bodyPr/>
+          <a:lstStyle/>
+          <a:p>
+            <a:r>
+              <a:rPr lang="en-US" dirty="0"/>
+              <a:t>By </a:t>
+            </a:r>
+            <a:r>
+              <a:rPr lang="en-US" dirty="0" err="1"/>
+              <a:t>Zalak</a:t>
+            </a:r>
+            <a:r>
+              <a:rPr lang="en-US" dirty="0"/>
+              <a:t> &amp; </a:t>
+            </a:r>
+            <a:r>
+              <a:rPr lang="en-US" dirty="0" err="1"/>
+              <a:t>Suhas</a:t>
+            </a:r>
             <a:endParaRPr lang="en-US" dirty="0"/>
-          </a:p>
-        </p:txBody>
-      </p:sp>
-      <p:sp>
-        <p:nvSpPr>
-          <p:cNvPr id="3" name="Subtitle 2"/>
-          <p:cNvSpPr>
-            <a:spLocks noGrp="1"/>
-          </p:cNvSpPr>
-          <p:nvPr>
-            <p:ph type="subTitle" idx="1"/>
-          </p:nvPr>
-        </p:nvSpPr>
-        <p:spPr/>
-        <p:txBody>
-          <a:bodyPr/>
-          <a:lstStyle/>
-          <a:p>
-            <a:endParaRPr lang="en-US"/>
           </a:p>
         </p:txBody>
       </p:sp>
@@ -3680,6 +3705,339 @@
 </file>
 
 <file path=ppt/slides/slide10.xml><?xml version="1.0" encoding="utf-8"?>
+<p:sld xmlns:a="http://schemas.openxmlformats.org/drawingml/2006/main" xmlns:r="http://schemas.openxmlformats.org/officeDocument/2006/relationships" xmlns:p="http://schemas.openxmlformats.org/presentationml/2006/main">
+  <p:cSld>
+    <p:spTree>
+      <p:nvGrpSpPr>
+        <p:cNvPr id="1" name=""/>
+        <p:cNvGrpSpPr/>
+        <p:nvPr/>
+      </p:nvGrpSpPr>
+      <p:grpSpPr>
+        <a:xfrm>
+          <a:off x="0" y="0"/>
+          <a:ext cx="0" cy="0"/>
+          <a:chOff x="0" y="0"/>
+          <a:chExt cx="0" cy="0"/>
+        </a:xfrm>
+      </p:grpSpPr>
+      <p:grpSp>
+        <p:nvGrpSpPr>
+          <p:cNvPr id="11" name="Group 10"/>
+          <p:cNvGrpSpPr>
+            <a:grpSpLocks noGrp="1" noUngrp="1" noRot="1" noChangeAspect="1" noMove="1" noResize="1"/>
+          </p:cNvGrpSpPr>
+          <p:nvPr>
+            <p:extLst>
+              <p:ext uri="{386F3935-93C4-4BCD-93E2-E3B085C9AB24}">
+                <p16:designElem xmlns:p16="http://schemas.microsoft.com/office/powerpoint/2015/main" val="1"/>
+              </p:ext>
+            </p:extLst>
+          </p:nvPr>
+        </p:nvGrpSpPr>
+        <p:grpSpPr>
+          <a:xfrm>
+            <a:off x="1446399" y="2012810"/>
+            <a:ext cx="4969251" cy="3459865"/>
+            <a:chOff x="1446399" y="2012810"/>
+            <a:chExt cx="4969251" cy="3459865"/>
+          </a:xfrm>
+        </p:grpSpPr>
+        <p:sp>
+          <p:nvSpPr>
+            <p:cNvPr id="12" name="Rectangle 11"/>
+            <p:cNvSpPr/>
+            <p:nvPr>
+              <p:extLst>
+                <p:ext uri="{386F3935-93C4-4BCD-93E2-E3B085C9AB24}">
+                  <p16:designElem xmlns:p16="http://schemas.microsoft.com/office/powerpoint/2015/main" val="1"/>
+                </p:ext>
+              </p:extLst>
+            </p:nvPr>
+          </p:nvSpPr>
+          <p:spPr>
+            <a:xfrm>
+              <a:off x="1446399" y="2012810"/>
+              <a:ext cx="4969251" cy="3459865"/>
+            </a:xfrm>
+            <a:prstGeom prst="rect">
+              <a:avLst/>
+            </a:prstGeom>
+            <a:gradFill>
+              <a:gsLst>
+                <a:gs pos="0">
+                  <a:srgbClr val="000001"/>
+                </a:gs>
+                <a:gs pos="100000">
+                  <a:srgbClr val="191919"/>
+                </a:gs>
+              </a:gsLst>
+            </a:gradFill>
+            <a:ln w="76200" cmpd="sng">
+              <a:noFill/>
+              <a:miter lim="800000"/>
+            </a:ln>
+            <a:effectLst>
+              <a:outerShdw blurRad="127000" dist="228600" dir="4740000" sx="98000" sy="98000" algn="tl" rotWithShape="0">
+                <a:srgbClr val="000000">
+                  <a:alpha val="34000"/>
+                </a:srgbClr>
+              </a:outerShdw>
+            </a:effectLst>
+            <a:scene3d>
+              <a:camera prst="orthographicFront"/>
+              <a:lightRig rig="threePt" dir="t"/>
+            </a:scene3d>
+            <a:sp3d>
+              <a:bevelT w="152400" h="50800" prst="softRound"/>
+            </a:sp3d>
+          </p:spPr>
+          <p:style>
+            <a:lnRef idx="1">
+              <a:schemeClr val="accent1"/>
+            </a:lnRef>
+            <a:fillRef idx="3">
+              <a:schemeClr val="accent1"/>
+            </a:fillRef>
+            <a:effectRef idx="2">
+              <a:schemeClr val="accent1"/>
+            </a:effectRef>
+            <a:fontRef idx="minor">
+              <a:schemeClr val="lt1"/>
+            </a:fontRef>
+          </p:style>
+          <p:txBody>
+            <a:bodyPr rtlCol="0" anchor="ctr"/>
+            <a:lstStyle/>
+            <a:p>
+              <a:pPr algn="ctr"/>
+              <a:endParaRPr lang="en-US"/>
+            </a:p>
+          </p:txBody>
+        </p:sp>
+        <p:sp>
+          <p:nvSpPr>
+            <p:cNvPr id="13" name="Rectangle 12"/>
+            <p:cNvSpPr/>
+            <p:nvPr>
+              <p:extLst>
+                <p:ext uri="{386F3935-93C4-4BCD-93E2-E3B085C9AB24}">
+                  <p16:designElem xmlns:p16="http://schemas.microsoft.com/office/powerpoint/2015/main" val="1"/>
+                </p:ext>
+              </p:extLst>
+            </p:nvPr>
+          </p:nvSpPr>
+          <p:spPr>
+            <a:xfrm>
+              <a:off x="1595362" y="2182137"/>
+              <a:ext cx="4654871" cy="3130008"/>
+            </a:xfrm>
+            <a:prstGeom prst="rect">
+              <a:avLst/>
+            </a:prstGeom>
+            <a:gradFill>
+              <a:gsLst>
+                <a:gs pos="0">
+                  <a:srgbClr val="DADADA"/>
+                </a:gs>
+                <a:gs pos="100000">
+                  <a:srgbClr val="FFFFFE"/>
+                </a:gs>
+              </a:gsLst>
+              <a:lin ang="16200000" scaled="0"/>
+            </a:gradFill>
+            <a:ln w="50800" cmpd="sng">
+              <a:solidFill>
+                <a:srgbClr val="191919"/>
+              </a:solidFill>
+              <a:miter lim="800000"/>
+            </a:ln>
+            <a:effectLst>
+              <a:innerShdw blurRad="63500" dist="88900" dir="14100000">
+                <a:srgbClr val="000000">
+                  <a:alpha val="30000"/>
+                </a:srgbClr>
+              </a:innerShdw>
+            </a:effectLst>
+            <a:scene3d>
+              <a:camera prst="orthographicFront"/>
+              <a:lightRig rig="threePt" dir="t"/>
+            </a:scene3d>
+            <a:sp3d>
+              <a:bevelT prst="relaxedInset"/>
+            </a:sp3d>
+          </p:spPr>
+          <p:style>
+            <a:lnRef idx="1">
+              <a:schemeClr val="accent1"/>
+            </a:lnRef>
+            <a:fillRef idx="3">
+              <a:schemeClr val="accent1"/>
+            </a:fillRef>
+            <a:effectRef idx="2">
+              <a:schemeClr val="accent1"/>
+            </a:effectRef>
+            <a:fontRef idx="minor">
+              <a:schemeClr val="lt1"/>
+            </a:fontRef>
+          </p:style>
+          <p:txBody>
+            <a:bodyPr rtlCol="0" anchor="ctr"/>
+            <a:lstStyle/>
+            <a:p>
+              <a:pPr algn="ctr"/>
+              <a:endParaRPr lang="en-US"/>
+            </a:p>
+          </p:txBody>
+        </p:sp>
+      </p:grpSp>
+      <p:sp>
+        <p:nvSpPr>
+          <p:cNvPr id="14" name="Rectangle 13"/>
+          <p:cNvSpPr>
+            <a:spLocks noGrp="1" noRot="1" noChangeAspect="1" noMove="1" noResize="1" noEditPoints="1" noAdjustHandles="1" noChangeArrowheads="1" noChangeShapeType="1" noTextEdit="1"/>
+          </p:cNvSpPr>
+          <p:nvPr>
+            <p:extLst>
+              <p:ext uri="{386F3935-93C4-4BCD-93E2-E3B085C9AB24}">
+                <p16:designElem xmlns:p16="http://schemas.microsoft.com/office/powerpoint/2015/main" val="1"/>
+              </p:ext>
+            </p:extLst>
+          </p:nvPr>
+        </p:nvSpPr>
+        <p:spPr>
+          <a:xfrm>
+            <a:off x="1759088" y="2345863"/>
+            <a:ext cx="4314860" cy="2797627"/>
+          </a:xfrm>
+          <a:prstGeom prst="rect">
+            <a:avLst/>
+          </a:prstGeom>
+          <a:solidFill>
+            <a:srgbClr val="FFFFFE"/>
+          </a:solidFill>
+          <a:ln w="6350">
+            <a:solidFill>
+              <a:schemeClr val="bg2"/>
+            </a:solidFill>
+          </a:ln>
+        </p:spPr>
+        <p:style>
+          <a:lnRef idx="2">
+            <a:schemeClr val="accent1">
+              <a:shade val="50000"/>
+            </a:schemeClr>
+          </a:lnRef>
+          <a:fillRef idx="1">
+            <a:schemeClr val="accent1"/>
+          </a:fillRef>
+          <a:effectRef idx="0">
+            <a:schemeClr val="accent1"/>
+          </a:effectRef>
+          <a:fontRef idx="minor">
+            <a:schemeClr val="lt1"/>
+          </a:fontRef>
+        </p:style>
+        <p:txBody>
+          <a:bodyPr rtlCol="0" anchor="ctr"/>
+          <a:lstStyle/>
+          <a:p>
+            <a:pPr algn="ctr"/>
+            <a:endParaRPr lang="en-US"/>
+          </a:p>
+        </p:txBody>
+      </p:sp>
+      <p:sp>
+        <p:nvSpPr>
+          <p:cNvPr id="2" name="Title 1"/>
+          <p:cNvSpPr>
+            <a:spLocks noGrp="1"/>
+          </p:cNvSpPr>
+          <p:nvPr>
+            <p:ph type="title"/>
+          </p:nvPr>
+        </p:nvSpPr>
+        <p:spPr/>
+        <p:txBody>
+          <a:bodyPr>
+            <a:normAutofit/>
+          </a:bodyPr>
+          <a:lstStyle/>
+          <a:p>
+            <a:r>
+              <a:rPr lang="en-US" dirty="0"/>
+              <a:t>Classification Tree</a:t>
+            </a:r>
+          </a:p>
+        </p:txBody>
+      </p:sp>
+      <p:sp>
+        <p:nvSpPr>
+          <p:cNvPr id="8" name="Content Placeholder 7"/>
+          <p:cNvSpPr>
+            <a:spLocks noGrp="1"/>
+          </p:cNvSpPr>
+          <p:nvPr>
+            <p:ph idx="1"/>
+          </p:nvPr>
+        </p:nvSpPr>
+        <p:spPr>
+          <a:xfrm>
+            <a:off x="6882361" y="2015734"/>
+            <a:ext cx="4169336" cy="3450613"/>
+          </a:xfrm>
+        </p:spPr>
+        <p:txBody>
+          <a:bodyPr>
+            <a:normAutofit/>
+          </a:bodyPr>
+          <a:lstStyle/>
+          <a:p>
+            <a:pPr marL="0" indent="0">
+              <a:buNone/>
+            </a:pPr>
+            <a:endParaRPr lang="en-US" dirty="0"/>
+          </a:p>
+        </p:txBody>
+      </p:sp>
+      <p:pic>
+        <p:nvPicPr>
+          <p:cNvPr id="4" name="Picture 3"/>
+          <p:cNvPicPr>
+            <a:picLocks noChangeAspect="1"/>
+          </p:cNvPicPr>
+          <p:nvPr/>
+        </p:nvPicPr>
+        <p:blipFill>
+          <a:blip r:embed="rId2"/>
+          <a:stretch>
+            <a:fillRect/>
+          </a:stretch>
+        </p:blipFill>
+        <p:spPr>
+          <a:xfrm>
+            <a:off x="2043924" y="2763510"/>
+            <a:ext cx="4030024" cy="1752600"/>
+          </a:xfrm>
+          <a:prstGeom prst="rect">
+            <a:avLst/>
+          </a:prstGeom>
+        </p:spPr>
+      </p:pic>
+    </p:spTree>
+    <p:extLst>
+      <p:ext uri="{BB962C8B-B14F-4D97-AF65-F5344CB8AC3E}">
+        <p14:creationId xmlns:p14="http://schemas.microsoft.com/office/powerpoint/2010/main" val="1496323189"/>
+      </p:ext>
+    </p:extLst>
+  </p:cSld>
+  <p:clrMapOvr>
+    <a:masterClrMapping/>
+  </p:clrMapOvr>
+</p:sld>
+</file>
+
+<file path=ppt/slides/slide11.xml><?xml version="1.0" encoding="utf-8"?>
 <p:sld xmlns:a="http://schemas.openxmlformats.org/drawingml/2006/main" xmlns:r="http://schemas.openxmlformats.org/officeDocument/2006/relationships" xmlns:p="http://schemas.openxmlformats.org/presentationml/2006/main">
   <p:cSld>
     <p:spTree>
@@ -4579,6 +4937,339 @@
           <a:chExt cx="0" cy="0"/>
         </a:xfrm>
       </p:grpSpPr>
+      <p:grpSp>
+        <p:nvGrpSpPr>
+          <p:cNvPr id="11" name="Group 10"/>
+          <p:cNvGrpSpPr>
+            <a:grpSpLocks noGrp="1" noUngrp="1" noRot="1" noChangeAspect="1" noMove="1" noResize="1"/>
+          </p:cNvGrpSpPr>
+          <p:nvPr>
+            <p:extLst>
+              <p:ext uri="{386F3935-93C4-4BCD-93E2-E3B085C9AB24}">
+                <p16:designElem xmlns:p16="http://schemas.microsoft.com/office/powerpoint/2015/main" val="1"/>
+              </p:ext>
+            </p:extLst>
+          </p:nvPr>
+        </p:nvGrpSpPr>
+        <p:grpSpPr>
+          <a:xfrm>
+            <a:off x="1446399" y="2012810"/>
+            <a:ext cx="4969251" cy="3459865"/>
+            <a:chOff x="1446399" y="2012810"/>
+            <a:chExt cx="4969251" cy="3459865"/>
+          </a:xfrm>
+        </p:grpSpPr>
+        <p:sp>
+          <p:nvSpPr>
+            <p:cNvPr id="12" name="Rectangle 11"/>
+            <p:cNvSpPr/>
+            <p:nvPr>
+              <p:extLst>
+                <p:ext uri="{386F3935-93C4-4BCD-93E2-E3B085C9AB24}">
+                  <p16:designElem xmlns:p16="http://schemas.microsoft.com/office/powerpoint/2015/main" val="1"/>
+                </p:ext>
+              </p:extLst>
+            </p:nvPr>
+          </p:nvSpPr>
+          <p:spPr>
+            <a:xfrm>
+              <a:off x="1446399" y="2012810"/>
+              <a:ext cx="4969251" cy="3459865"/>
+            </a:xfrm>
+            <a:prstGeom prst="rect">
+              <a:avLst/>
+            </a:prstGeom>
+            <a:gradFill>
+              <a:gsLst>
+                <a:gs pos="0">
+                  <a:srgbClr val="000001"/>
+                </a:gs>
+                <a:gs pos="100000">
+                  <a:srgbClr val="191919"/>
+                </a:gs>
+              </a:gsLst>
+            </a:gradFill>
+            <a:ln w="76200" cmpd="sng">
+              <a:noFill/>
+              <a:miter lim="800000"/>
+            </a:ln>
+            <a:effectLst>
+              <a:outerShdw blurRad="127000" dist="228600" dir="4740000" sx="98000" sy="98000" algn="tl" rotWithShape="0">
+                <a:srgbClr val="000000">
+                  <a:alpha val="34000"/>
+                </a:srgbClr>
+              </a:outerShdw>
+            </a:effectLst>
+            <a:scene3d>
+              <a:camera prst="orthographicFront"/>
+              <a:lightRig rig="threePt" dir="t"/>
+            </a:scene3d>
+            <a:sp3d>
+              <a:bevelT w="152400" h="50800" prst="softRound"/>
+            </a:sp3d>
+          </p:spPr>
+          <p:style>
+            <a:lnRef idx="1">
+              <a:schemeClr val="accent1"/>
+            </a:lnRef>
+            <a:fillRef idx="3">
+              <a:schemeClr val="accent1"/>
+            </a:fillRef>
+            <a:effectRef idx="2">
+              <a:schemeClr val="accent1"/>
+            </a:effectRef>
+            <a:fontRef idx="minor">
+              <a:schemeClr val="lt1"/>
+            </a:fontRef>
+          </p:style>
+          <p:txBody>
+            <a:bodyPr rtlCol="0" anchor="ctr"/>
+            <a:lstStyle/>
+            <a:p>
+              <a:pPr algn="ctr"/>
+              <a:endParaRPr lang="en-US"/>
+            </a:p>
+          </p:txBody>
+        </p:sp>
+        <p:sp>
+          <p:nvSpPr>
+            <p:cNvPr id="13" name="Rectangle 12"/>
+            <p:cNvSpPr/>
+            <p:nvPr>
+              <p:extLst>
+                <p:ext uri="{386F3935-93C4-4BCD-93E2-E3B085C9AB24}">
+                  <p16:designElem xmlns:p16="http://schemas.microsoft.com/office/powerpoint/2015/main" val="1"/>
+                </p:ext>
+              </p:extLst>
+            </p:nvPr>
+          </p:nvSpPr>
+          <p:spPr>
+            <a:xfrm>
+              <a:off x="1595362" y="2182137"/>
+              <a:ext cx="4654871" cy="3130008"/>
+            </a:xfrm>
+            <a:prstGeom prst="rect">
+              <a:avLst/>
+            </a:prstGeom>
+            <a:gradFill>
+              <a:gsLst>
+                <a:gs pos="0">
+                  <a:srgbClr val="DADADA"/>
+                </a:gs>
+                <a:gs pos="100000">
+                  <a:srgbClr val="FFFFFE"/>
+                </a:gs>
+              </a:gsLst>
+              <a:lin ang="16200000" scaled="0"/>
+            </a:gradFill>
+            <a:ln w="50800" cmpd="sng">
+              <a:solidFill>
+                <a:srgbClr val="191919"/>
+              </a:solidFill>
+              <a:miter lim="800000"/>
+            </a:ln>
+            <a:effectLst>
+              <a:innerShdw blurRad="63500" dist="88900" dir="14100000">
+                <a:srgbClr val="000000">
+                  <a:alpha val="30000"/>
+                </a:srgbClr>
+              </a:innerShdw>
+            </a:effectLst>
+            <a:scene3d>
+              <a:camera prst="orthographicFront"/>
+              <a:lightRig rig="threePt" dir="t"/>
+            </a:scene3d>
+            <a:sp3d>
+              <a:bevelT prst="relaxedInset"/>
+            </a:sp3d>
+          </p:spPr>
+          <p:style>
+            <a:lnRef idx="1">
+              <a:schemeClr val="accent1"/>
+            </a:lnRef>
+            <a:fillRef idx="3">
+              <a:schemeClr val="accent1"/>
+            </a:fillRef>
+            <a:effectRef idx="2">
+              <a:schemeClr val="accent1"/>
+            </a:effectRef>
+            <a:fontRef idx="minor">
+              <a:schemeClr val="lt1"/>
+            </a:fontRef>
+          </p:style>
+          <p:txBody>
+            <a:bodyPr rtlCol="0" anchor="ctr"/>
+            <a:lstStyle/>
+            <a:p>
+              <a:pPr algn="ctr"/>
+              <a:endParaRPr lang="en-US"/>
+            </a:p>
+          </p:txBody>
+        </p:sp>
+      </p:grpSp>
+      <p:sp>
+        <p:nvSpPr>
+          <p:cNvPr id="14" name="Rectangle 13"/>
+          <p:cNvSpPr>
+            <a:spLocks noGrp="1" noRot="1" noChangeAspect="1" noMove="1" noResize="1" noEditPoints="1" noAdjustHandles="1" noChangeArrowheads="1" noChangeShapeType="1" noTextEdit="1"/>
+          </p:cNvSpPr>
+          <p:nvPr>
+            <p:extLst>
+              <p:ext uri="{386F3935-93C4-4BCD-93E2-E3B085C9AB24}">
+                <p16:designElem xmlns:p16="http://schemas.microsoft.com/office/powerpoint/2015/main" val="1"/>
+              </p:ext>
+            </p:extLst>
+          </p:nvPr>
+        </p:nvSpPr>
+        <p:spPr>
+          <a:xfrm>
+            <a:off x="1759088" y="2345863"/>
+            <a:ext cx="4314860" cy="2797627"/>
+          </a:xfrm>
+          <a:prstGeom prst="rect">
+            <a:avLst/>
+          </a:prstGeom>
+          <a:solidFill>
+            <a:srgbClr val="FFFFFE"/>
+          </a:solidFill>
+          <a:ln w="6350">
+            <a:solidFill>
+              <a:schemeClr val="bg2"/>
+            </a:solidFill>
+          </a:ln>
+        </p:spPr>
+        <p:style>
+          <a:lnRef idx="2">
+            <a:schemeClr val="accent1">
+              <a:shade val="50000"/>
+            </a:schemeClr>
+          </a:lnRef>
+          <a:fillRef idx="1">
+            <a:schemeClr val="accent1"/>
+          </a:fillRef>
+          <a:effectRef idx="0">
+            <a:schemeClr val="accent1"/>
+          </a:effectRef>
+          <a:fontRef idx="minor">
+            <a:schemeClr val="lt1"/>
+          </a:fontRef>
+        </p:style>
+        <p:txBody>
+          <a:bodyPr rtlCol="0" anchor="ctr"/>
+          <a:lstStyle/>
+          <a:p>
+            <a:pPr algn="ctr"/>
+            <a:endParaRPr lang="en-US"/>
+          </a:p>
+        </p:txBody>
+      </p:sp>
+      <p:pic>
+        <p:nvPicPr>
+          <p:cNvPr id="6" name="Picture 8"/>
+          <p:cNvPicPr>
+            <a:picLocks noChangeAspect="1"/>
+          </p:cNvPicPr>
+          <p:nvPr/>
+        </p:nvPicPr>
+        <p:blipFill>
+          <a:blip r:embed="rId2"/>
+          <a:stretch>
+            <a:fillRect/>
+          </a:stretch>
+        </p:blipFill>
+        <p:spPr>
+          <a:xfrm>
+            <a:off x="1927590" y="2589183"/>
+            <a:ext cx="3993156" cy="2306047"/>
+          </a:xfrm>
+          <a:prstGeom prst="rect">
+            <a:avLst/>
+          </a:prstGeom>
+        </p:spPr>
+      </p:pic>
+      <p:sp>
+        <p:nvSpPr>
+          <p:cNvPr id="2" name="Title 1"/>
+          <p:cNvSpPr>
+            <a:spLocks noGrp="1"/>
+          </p:cNvSpPr>
+          <p:nvPr>
+            <p:ph type="title"/>
+          </p:nvPr>
+        </p:nvSpPr>
+        <p:spPr/>
+        <p:txBody>
+          <a:bodyPr>
+            <a:normAutofit/>
+          </a:bodyPr>
+          <a:lstStyle/>
+          <a:p>
+            <a:r>
+              <a:rPr lang="en-US" dirty="0"/>
+              <a:t>Data Visualization</a:t>
+            </a:r>
+          </a:p>
+        </p:txBody>
+      </p:sp>
+      <p:sp>
+        <p:nvSpPr>
+          <p:cNvPr id="8" name="Content Placeholder 7"/>
+          <p:cNvSpPr>
+            <a:spLocks noGrp="1"/>
+          </p:cNvSpPr>
+          <p:nvPr>
+            <p:ph idx="1"/>
+          </p:nvPr>
+        </p:nvSpPr>
+        <p:spPr>
+          <a:xfrm>
+            <a:off x="6882361" y="2015734"/>
+            <a:ext cx="4169336" cy="3450613"/>
+          </a:xfrm>
+        </p:spPr>
+        <p:txBody>
+          <a:bodyPr>
+            <a:normAutofit/>
+          </a:bodyPr>
+          <a:lstStyle/>
+          <a:p>
+            <a:r>
+              <a:rPr lang="en-US" dirty="0"/>
+              <a:t>The data is represented as per its distribution over Age ,Sex and Martial Status.</a:t>
+            </a:r>
+          </a:p>
+        </p:txBody>
+      </p:sp>
+    </p:spTree>
+    <p:extLst>
+      <p:ext uri="{BB962C8B-B14F-4D97-AF65-F5344CB8AC3E}">
+        <p14:creationId xmlns:p14="http://schemas.microsoft.com/office/powerpoint/2010/main" val="4252343692"/>
+      </p:ext>
+    </p:extLst>
+  </p:cSld>
+  <p:clrMapOvr>
+    <a:masterClrMapping/>
+  </p:clrMapOvr>
+</p:sld>
+</file>
+
+<file path=ppt/slides/slide4.xml><?xml version="1.0" encoding="utf-8"?>
+<p:sld xmlns:a="http://schemas.openxmlformats.org/drawingml/2006/main" xmlns:r="http://schemas.openxmlformats.org/officeDocument/2006/relationships" xmlns:p="http://schemas.openxmlformats.org/presentationml/2006/main">
+  <p:cSld>
+    <p:spTree>
+      <p:nvGrpSpPr>
+        <p:cNvPr id="1" name=""/>
+        <p:cNvGrpSpPr/>
+        <p:nvPr/>
+      </p:nvGrpSpPr>
+      <p:grpSpPr>
+        <a:xfrm>
+          <a:off x="0" y="0"/>
+          <a:ext cx="0" cy="0"/>
+          <a:chOff x="0" y="0"/>
+          <a:chExt cx="0" cy="0"/>
+        </a:xfrm>
+      </p:grpSpPr>
       <p:sp>
         <p:nvSpPr>
           <p:cNvPr id="2" name="Title 1"/>
@@ -4648,7 +5339,7 @@
 </p:sld>
 </file>
 
-<file path=ppt/slides/slide4.xml><?xml version="1.0" encoding="utf-8"?>
+<file path=ppt/slides/slide5.xml><?xml version="1.0" encoding="utf-8"?>
 <p:sld xmlns:a="http://schemas.openxmlformats.org/drawingml/2006/main" xmlns:r="http://schemas.openxmlformats.org/officeDocument/2006/relationships" xmlns:p="http://schemas.openxmlformats.org/presentationml/2006/main">
   <p:cSld>
     <p:spTree>
@@ -5181,7 +5872,7 @@
 </p:sld>
 </file>
 
-<file path=ppt/slides/slide5.xml><?xml version="1.0" encoding="utf-8"?>
+<file path=ppt/slides/slide6.xml><?xml version="1.0" encoding="utf-8"?>
 <p:sld xmlns:a="http://schemas.openxmlformats.org/drawingml/2006/main" xmlns:r="http://schemas.openxmlformats.org/officeDocument/2006/relationships" xmlns:p="http://schemas.openxmlformats.org/presentationml/2006/main">
   <p:cSld>
     <p:spTree>
@@ -5709,7 +6400,7 @@
 </p:sld>
 </file>
 
-<file path=ppt/slides/slide6.xml><?xml version="1.0" encoding="utf-8"?>
+<file path=ppt/slides/slide7.xml><?xml version="1.0" encoding="utf-8"?>
 <p:sld xmlns:a="http://schemas.openxmlformats.org/drawingml/2006/main" xmlns:r="http://schemas.openxmlformats.org/officeDocument/2006/relationships" xmlns:p="http://schemas.openxmlformats.org/presentationml/2006/main">
   <p:cSld>
     <p:spTree>
@@ -6231,7 +6922,7 @@
 </p:sld>
 </file>
 
-<file path=ppt/slides/slide7.xml><?xml version="1.0" encoding="utf-8"?>
+<file path=ppt/slides/slide8.xml><?xml version="1.0" encoding="utf-8"?>
 <p:sld xmlns:a="http://schemas.openxmlformats.org/drawingml/2006/main" xmlns:r="http://schemas.openxmlformats.org/officeDocument/2006/relationships" xmlns:p="http://schemas.openxmlformats.org/presentationml/2006/main">
   <p:cSld>
     <p:spTree>
@@ -6317,7 +7008,7 @@
 </p:sld>
 </file>
 
-<file path=ppt/slides/slide8.xml><?xml version="1.0" encoding="utf-8"?>
+<file path=ppt/slides/slide9.xml><?xml version="1.0" encoding="utf-8"?>
 <p:sld xmlns:a="http://schemas.openxmlformats.org/drawingml/2006/main" xmlns:r="http://schemas.openxmlformats.org/officeDocument/2006/relationships" xmlns:p="http://schemas.openxmlformats.org/presentationml/2006/main">
   <p:cSld>
     <p:spTree>
@@ -6641,339 +7332,6 @@
     <p:extLst>
       <p:ext uri="{BB962C8B-B14F-4D97-AF65-F5344CB8AC3E}">
         <p14:creationId xmlns:p14="http://schemas.microsoft.com/office/powerpoint/2010/main" val="2938402871"/>
-      </p:ext>
-    </p:extLst>
-  </p:cSld>
-  <p:clrMapOvr>
-    <a:masterClrMapping/>
-  </p:clrMapOvr>
-</p:sld>
-</file>
-
-<file path=ppt/slides/slide9.xml><?xml version="1.0" encoding="utf-8"?>
-<p:sld xmlns:a="http://schemas.openxmlformats.org/drawingml/2006/main" xmlns:r="http://schemas.openxmlformats.org/officeDocument/2006/relationships" xmlns:p="http://schemas.openxmlformats.org/presentationml/2006/main">
-  <p:cSld>
-    <p:spTree>
-      <p:nvGrpSpPr>
-        <p:cNvPr id="1" name=""/>
-        <p:cNvGrpSpPr/>
-        <p:nvPr/>
-      </p:nvGrpSpPr>
-      <p:grpSpPr>
-        <a:xfrm>
-          <a:off x="0" y="0"/>
-          <a:ext cx="0" cy="0"/>
-          <a:chOff x="0" y="0"/>
-          <a:chExt cx="0" cy="0"/>
-        </a:xfrm>
-      </p:grpSpPr>
-      <p:grpSp>
-        <p:nvGrpSpPr>
-          <p:cNvPr id="11" name="Group 10"/>
-          <p:cNvGrpSpPr>
-            <a:grpSpLocks noGrp="1" noUngrp="1" noRot="1" noChangeAspect="1" noMove="1" noResize="1"/>
-          </p:cNvGrpSpPr>
-          <p:nvPr>
-            <p:extLst>
-              <p:ext uri="{386F3935-93C4-4BCD-93E2-E3B085C9AB24}">
-                <p16:designElem xmlns:p16="http://schemas.microsoft.com/office/powerpoint/2015/main" val="1"/>
-              </p:ext>
-            </p:extLst>
-          </p:nvPr>
-        </p:nvGrpSpPr>
-        <p:grpSpPr>
-          <a:xfrm>
-            <a:off x="1446399" y="2012810"/>
-            <a:ext cx="4969251" cy="3459865"/>
-            <a:chOff x="1446399" y="2012810"/>
-            <a:chExt cx="4969251" cy="3459865"/>
-          </a:xfrm>
-        </p:grpSpPr>
-        <p:sp>
-          <p:nvSpPr>
-            <p:cNvPr id="12" name="Rectangle 11"/>
-            <p:cNvSpPr/>
-            <p:nvPr>
-              <p:extLst>
-                <p:ext uri="{386F3935-93C4-4BCD-93E2-E3B085C9AB24}">
-                  <p16:designElem xmlns:p16="http://schemas.microsoft.com/office/powerpoint/2015/main" val="1"/>
-                </p:ext>
-              </p:extLst>
-            </p:nvPr>
-          </p:nvSpPr>
-          <p:spPr>
-            <a:xfrm>
-              <a:off x="1446399" y="2012810"/>
-              <a:ext cx="4969251" cy="3459865"/>
-            </a:xfrm>
-            <a:prstGeom prst="rect">
-              <a:avLst/>
-            </a:prstGeom>
-            <a:gradFill>
-              <a:gsLst>
-                <a:gs pos="0">
-                  <a:srgbClr val="000001"/>
-                </a:gs>
-                <a:gs pos="100000">
-                  <a:srgbClr val="191919"/>
-                </a:gs>
-              </a:gsLst>
-            </a:gradFill>
-            <a:ln w="76200" cmpd="sng">
-              <a:noFill/>
-              <a:miter lim="800000"/>
-            </a:ln>
-            <a:effectLst>
-              <a:outerShdw blurRad="127000" dist="228600" dir="4740000" sx="98000" sy="98000" algn="tl" rotWithShape="0">
-                <a:srgbClr val="000000">
-                  <a:alpha val="34000"/>
-                </a:srgbClr>
-              </a:outerShdw>
-            </a:effectLst>
-            <a:scene3d>
-              <a:camera prst="orthographicFront"/>
-              <a:lightRig rig="threePt" dir="t"/>
-            </a:scene3d>
-            <a:sp3d>
-              <a:bevelT w="152400" h="50800" prst="softRound"/>
-            </a:sp3d>
-          </p:spPr>
-          <p:style>
-            <a:lnRef idx="1">
-              <a:schemeClr val="accent1"/>
-            </a:lnRef>
-            <a:fillRef idx="3">
-              <a:schemeClr val="accent1"/>
-            </a:fillRef>
-            <a:effectRef idx="2">
-              <a:schemeClr val="accent1"/>
-            </a:effectRef>
-            <a:fontRef idx="minor">
-              <a:schemeClr val="lt1"/>
-            </a:fontRef>
-          </p:style>
-          <p:txBody>
-            <a:bodyPr rtlCol="0" anchor="ctr"/>
-            <a:lstStyle/>
-            <a:p>
-              <a:pPr algn="ctr"/>
-              <a:endParaRPr lang="en-US"/>
-            </a:p>
-          </p:txBody>
-        </p:sp>
-        <p:sp>
-          <p:nvSpPr>
-            <p:cNvPr id="13" name="Rectangle 12"/>
-            <p:cNvSpPr/>
-            <p:nvPr>
-              <p:extLst>
-                <p:ext uri="{386F3935-93C4-4BCD-93E2-E3B085C9AB24}">
-                  <p16:designElem xmlns:p16="http://schemas.microsoft.com/office/powerpoint/2015/main" val="1"/>
-                </p:ext>
-              </p:extLst>
-            </p:nvPr>
-          </p:nvSpPr>
-          <p:spPr>
-            <a:xfrm>
-              <a:off x="1595362" y="2182137"/>
-              <a:ext cx="4654871" cy="3130008"/>
-            </a:xfrm>
-            <a:prstGeom prst="rect">
-              <a:avLst/>
-            </a:prstGeom>
-            <a:gradFill>
-              <a:gsLst>
-                <a:gs pos="0">
-                  <a:srgbClr val="DADADA"/>
-                </a:gs>
-                <a:gs pos="100000">
-                  <a:srgbClr val="FFFFFE"/>
-                </a:gs>
-              </a:gsLst>
-              <a:lin ang="16200000" scaled="0"/>
-            </a:gradFill>
-            <a:ln w="50800" cmpd="sng">
-              <a:solidFill>
-                <a:srgbClr val="191919"/>
-              </a:solidFill>
-              <a:miter lim="800000"/>
-            </a:ln>
-            <a:effectLst>
-              <a:innerShdw blurRad="63500" dist="88900" dir="14100000">
-                <a:srgbClr val="000000">
-                  <a:alpha val="30000"/>
-                </a:srgbClr>
-              </a:innerShdw>
-            </a:effectLst>
-            <a:scene3d>
-              <a:camera prst="orthographicFront"/>
-              <a:lightRig rig="threePt" dir="t"/>
-            </a:scene3d>
-            <a:sp3d>
-              <a:bevelT prst="relaxedInset"/>
-            </a:sp3d>
-          </p:spPr>
-          <p:style>
-            <a:lnRef idx="1">
-              <a:schemeClr val="accent1"/>
-            </a:lnRef>
-            <a:fillRef idx="3">
-              <a:schemeClr val="accent1"/>
-            </a:fillRef>
-            <a:effectRef idx="2">
-              <a:schemeClr val="accent1"/>
-            </a:effectRef>
-            <a:fontRef idx="minor">
-              <a:schemeClr val="lt1"/>
-            </a:fontRef>
-          </p:style>
-          <p:txBody>
-            <a:bodyPr rtlCol="0" anchor="ctr"/>
-            <a:lstStyle/>
-            <a:p>
-              <a:pPr algn="ctr"/>
-              <a:endParaRPr lang="en-US"/>
-            </a:p>
-          </p:txBody>
-        </p:sp>
-      </p:grpSp>
-      <p:sp>
-        <p:nvSpPr>
-          <p:cNvPr id="14" name="Rectangle 13"/>
-          <p:cNvSpPr>
-            <a:spLocks noGrp="1" noRot="1" noChangeAspect="1" noMove="1" noResize="1" noEditPoints="1" noAdjustHandles="1" noChangeArrowheads="1" noChangeShapeType="1" noTextEdit="1"/>
-          </p:cNvSpPr>
-          <p:nvPr>
-            <p:extLst>
-              <p:ext uri="{386F3935-93C4-4BCD-93E2-E3B085C9AB24}">
-                <p16:designElem xmlns:p16="http://schemas.microsoft.com/office/powerpoint/2015/main" val="1"/>
-              </p:ext>
-            </p:extLst>
-          </p:nvPr>
-        </p:nvSpPr>
-        <p:spPr>
-          <a:xfrm>
-            <a:off x="1759088" y="2345863"/>
-            <a:ext cx="4314860" cy="2797627"/>
-          </a:xfrm>
-          <a:prstGeom prst="rect">
-            <a:avLst/>
-          </a:prstGeom>
-          <a:solidFill>
-            <a:srgbClr val="FFFFFE"/>
-          </a:solidFill>
-          <a:ln w="6350">
-            <a:solidFill>
-              <a:schemeClr val="bg2"/>
-            </a:solidFill>
-          </a:ln>
-        </p:spPr>
-        <p:style>
-          <a:lnRef idx="2">
-            <a:schemeClr val="accent1">
-              <a:shade val="50000"/>
-            </a:schemeClr>
-          </a:lnRef>
-          <a:fillRef idx="1">
-            <a:schemeClr val="accent1"/>
-          </a:fillRef>
-          <a:effectRef idx="0">
-            <a:schemeClr val="accent1"/>
-          </a:effectRef>
-          <a:fontRef idx="minor">
-            <a:schemeClr val="lt1"/>
-          </a:fontRef>
-        </p:style>
-        <p:txBody>
-          <a:bodyPr rtlCol="0" anchor="ctr"/>
-          <a:lstStyle/>
-          <a:p>
-            <a:pPr algn="ctr"/>
-            <a:endParaRPr lang="en-US"/>
-          </a:p>
-        </p:txBody>
-      </p:sp>
-      <p:sp>
-        <p:nvSpPr>
-          <p:cNvPr id="2" name="Title 1"/>
-          <p:cNvSpPr>
-            <a:spLocks noGrp="1"/>
-          </p:cNvSpPr>
-          <p:nvPr>
-            <p:ph type="title"/>
-          </p:nvPr>
-        </p:nvSpPr>
-        <p:spPr/>
-        <p:txBody>
-          <a:bodyPr>
-            <a:normAutofit/>
-          </a:bodyPr>
-          <a:lstStyle/>
-          <a:p>
-            <a:r>
-              <a:rPr lang="en-US" dirty="0"/>
-              <a:t>Classification Tree</a:t>
-            </a:r>
-          </a:p>
-        </p:txBody>
-      </p:sp>
-      <p:sp>
-        <p:nvSpPr>
-          <p:cNvPr id="8" name="Content Placeholder 7"/>
-          <p:cNvSpPr>
-            <a:spLocks noGrp="1"/>
-          </p:cNvSpPr>
-          <p:nvPr>
-            <p:ph idx="1"/>
-          </p:nvPr>
-        </p:nvSpPr>
-        <p:spPr>
-          <a:xfrm>
-            <a:off x="6882361" y="2015734"/>
-            <a:ext cx="4169336" cy="3450613"/>
-          </a:xfrm>
-        </p:spPr>
-        <p:txBody>
-          <a:bodyPr>
-            <a:normAutofit/>
-          </a:bodyPr>
-          <a:lstStyle/>
-          <a:p>
-            <a:pPr marL="0" indent="0">
-              <a:buNone/>
-            </a:pPr>
-            <a:endParaRPr lang="en-US" dirty="0"/>
-          </a:p>
-        </p:txBody>
-      </p:sp>
-      <p:pic>
-        <p:nvPicPr>
-          <p:cNvPr id="4" name="Picture 3"/>
-          <p:cNvPicPr>
-            <a:picLocks noChangeAspect="1"/>
-          </p:cNvPicPr>
-          <p:nvPr/>
-        </p:nvPicPr>
-        <p:blipFill>
-          <a:blip r:embed="rId2"/>
-          <a:stretch>
-            <a:fillRect/>
-          </a:stretch>
-        </p:blipFill>
-        <p:spPr>
-          <a:xfrm>
-            <a:off x="2043924" y="2763510"/>
-            <a:ext cx="4030024" cy="1752600"/>
-          </a:xfrm>
-          <a:prstGeom prst="rect">
-            <a:avLst/>
-          </a:prstGeom>
-        </p:spPr>
-      </p:pic>
-    </p:spTree>
-    <p:extLst>
-      <p:ext uri="{BB962C8B-B14F-4D97-AF65-F5344CB8AC3E}">
-        <p14:creationId xmlns:p14="http://schemas.microsoft.com/office/powerpoint/2010/main" val="1496323189"/>
       </p:ext>
     </p:extLst>
   </p:cSld>
